--- a/targetProject/docs/Tadpole introduce.pptx
+++ b/targetProject/docs/Tadpole introduce.pptx
@@ -205,7 +205,7 @@
             <a:fld id="{793D82EE-2680-42BF-A2F4-2632274841C8}" type="datetimeFigureOut">
               <a:rPr lang="ko-KR" altLang="en-US" smtClean="0"/>
               <a:pPr/>
-              <a:t>2012-09-16</a:t>
+              <a:t>2012-09-18</a:t>
             </a:fld>
             <a:endParaRPr lang="ko-KR" altLang="en-US"/>
           </a:p>
@@ -624,7 +624,7 @@
             <a:fld id="{2B3498BC-09FB-4F63-8E79-981316399A06}" type="datetimeFigureOut">
               <a:rPr lang="ko-KR" altLang="en-US" smtClean="0"/>
               <a:pPr/>
-              <a:t>2012-09-16</a:t>
+              <a:t>2012-09-18</a:t>
             </a:fld>
             <a:endParaRPr lang="ko-KR" altLang="en-US"/>
           </a:p>
@@ -1343,7 +1343,7 @@
             <a:fld id="{2B3498BC-09FB-4F63-8E79-981316399A06}" type="datetimeFigureOut">
               <a:rPr lang="ko-KR" altLang="en-US" smtClean="0"/>
               <a:pPr/>
-              <a:t>2012-09-16</a:t>
+              <a:t>2012-09-18</a:t>
             </a:fld>
             <a:endParaRPr lang="ko-KR" altLang="en-US"/>
           </a:p>
@@ -1530,7 +1530,7 @@
             <a:fld id="{2B3498BC-09FB-4F63-8E79-981316399A06}" type="datetimeFigureOut">
               <a:rPr lang="ko-KR" altLang="en-US" smtClean="0"/>
               <a:pPr/>
-              <a:t>2012-09-16</a:t>
+              <a:t>2012-09-18</a:t>
             </a:fld>
             <a:endParaRPr lang="ko-KR" altLang="en-US"/>
           </a:p>
@@ -1707,7 +1707,7 @@
             <a:fld id="{2B3498BC-09FB-4F63-8E79-981316399A06}" type="datetimeFigureOut">
               <a:rPr lang="ko-KR" altLang="en-US" smtClean="0"/>
               <a:pPr/>
-              <a:t>2012-09-16</a:t>
+              <a:t>2012-09-18</a:t>
             </a:fld>
             <a:endParaRPr lang="ko-KR" altLang="en-US"/>
           </a:p>
@@ -3192,7 +3192,7 @@
             <a:fld id="{2B3498BC-09FB-4F63-8E79-981316399A06}" type="datetimeFigureOut">
               <a:rPr lang="ko-KR" altLang="en-US" smtClean="0"/>
               <a:pPr/>
-              <a:t>2012-09-16</a:t>
+              <a:t>2012-09-18</a:t>
             </a:fld>
             <a:endParaRPr lang="ko-KR" altLang="en-US"/>
           </a:p>
@@ -3794,7 +3794,7 @@
             <a:fld id="{2B3498BC-09FB-4F63-8E79-981316399A06}" type="datetimeFigureOut">
               <a:rPr lang="ko-KR" altLang="en-US" smtClean="0"/>
               <a:pPr/>
-              <a:t>2012-09-16</a:t>
+              <a:t>2012-09-18</a:t>
             </a:fld>
             <a:endParaRPr lang="ko-KR" altLang="en-US"/>
           </a:p>
@@ -4233,7 +4233,7 @@
             <a:fld id="{2B3498BC-09FB-4F63-8E79-981316399A06}" type="datetimeFigureOut">
               <a:rPr lang="ko-KR" altLang="en-US" smtClean="0"/>
               <a:pPr/>
-              <a:t>2012-09-16</a:t>
+              <a:t>2012-09-18</a:t>
             </a:fld>
             <a:endParaRPr lang="ko-KR" altLang="en-US"/>
           </a:p>
@@ -4796,7 +4796,7 @@
             <a:fld id="{2B3498BC-09FB-4F63-8E79-981316399A06}" type="datetimeFigureOut">
               <a:rPr lang="ko-KR" altLang="en-US" smtClean="0"/>
               <a:pPr/>
-              <a:t>2012-09-16</a:t>
+              <a:t>2012-09-18</a:t>
             </a:fld>
             <a:endParaRPr lang="ko-KR" altLang="en-US"/>
           </a:p>
@@ -4894,7 +4894,7 @@
             <a:fld id="{2B3498BC-09FB-4F63-8E79-981316399A06}" type="datetimeFigureOut">
               <a:rPr lang="ko-KR" altLang="en-US" smtClean="0"/>
               <a:pPr/>
-              <a:t>2012-09-16</a:t>
+              <a:t>2012-09-18</a:t>
             </a:fld>
             <a:endParaRPr lang="ko-KR" altLang="en-US"/>
           </a:p>
@@ -5150,7 +5150,7 @@
             <a:fld id="{2B3498BC-09FB-4F63-8E79-981316399A06}" type="datetimeFigureOut">
               <a:rPr lang="ko-KR" altLang="en-US" smtClean="0"/>
               <a:pPr/>
-              <a:t>2012-09-16</a:t>
+              <a:t>2012-09-18</a:t>
             </a:fld>
             <a:endParaRPr lang="ko-KR" altLang="en-US"/>
           </a:p>
@@ -5873,7 +5873,7 @@
             <a:fld id="{2B3498BC-09FB-4F63-8E79-981316399A06}" type="datetimeFigureOut">
               <a:rPr lang="ko-KR" altLang="en-US" smtClean="0"/>
               <a:pPr/>
-              <a:t>2012-09-16</a:t>
+              <a:t>2012-09-18</a:t>
             </a:fld>
             <a:endParaRPr lang="ko-KR" altLang="en-US"/>
           </a:p>
@@ -6548,7 +6548,7 @@
             <a:fld id="{2B3498BC-09FB-4F63-8E79-981316399A06}" type="datetimeFigureOut">
               <a:rPr lang="ko-KR" altLang="en-US" smtClean="0"/>
               <a:pPr/>
-              <a:t>2012-09-16</a:t>
+              <a:t>2012-09-18</a:t>
             </a:fld>
             <a:endParaRPr lang="ko-KR" altLang="en-US"/>
           </a:p>
@@ -7003,7 +7003,7 @@
           <p:nvPr>
             <p:extLst>
               <p:ext uri="{D42A27DB-BD31-4B8C-83A1-F6EECF244321}">
-                <p14:modId xmlns="" xmlns:p14="http://schemas.microsoft.com/office/powerpoint/2010/main" val="533220188"/>
+                <p14:modId xmlns:p14="http://schemas.microsoft.com/office/powerpoint/2010/main" xmlns="" val="533220188"/>
               </p:ext>
             </p:extLst>
           </p:nvPr>
@@ -7111,7 +7111,7 @@
       </p:graphicFrame>
       <p:pic>
         <p:nvPicPr>
-          <p:cNvPr id="5" name="Picture 2" descr="C:\Users\hangum\Pictures\TadpoleForDBTools.png"/>
+          <p:cNvPr id="1027" name="Picture 3" descr="C:\Users\hangum\Pictures\tadpole_2.png"/>
           <p:cNvPicPr>
             <a:picLocks noChangeAspect="1" noChangeArrowheads="1"/>
           </p:cNvPicPr>
@@ -7126,8 +7126,8 @@
         </p:blipFill>
         <p:spPr bwMode="auto">
           <a:xfrm>
-            <a:off x="6876256" y="2420888"/>
-            <a:ext cx="1584176" cy="1584176"/>
+            <a:off x="7020272" y="2204864"/>
+            <a:ext cx="949997" cy="1760661"/>
           </a:xfrm>
           <a:prstGeom prst="rect">
             <a:avLst/>
@@ -9470,7 +9470,6 @@
               <a:rPr lang="en-US" altLang="ko-KR" sz="2400" dirty="0" smtClean="0"/>
               <a:t>Sharing Query</a:t>
             </a:r>
-            <a:endParaRPr lang="en-US" altLang="ko-KR" sz="2400" dirty="0" smtClean="0"/>
           </a:p>
           <a:p>
             <a:endParaRPr lang="en-US" altLang="ko-KR" sz="2400" dirty="0" smtClean="0"/>
